--- a/Things we wish we knew.pptx
+++ b/Things we wish we knew.pptx
@@ -23,6 +23,7 @@
     <p:sldId id="272" r:id="rId17"/>
     <p:sldId id="273" r:id="rId18"/>
     <p:sldId id="275" r:id="rId19"/>
+    <p:sldId id="276" r:id="rId20"/>
   </p:sldIdLst>
   <p:sldSz cx="12192000" cy="6858000"/>
   <p:notesSz cx="6858000" cy="9144000"/>
@@ -8849,7 +8850,7 @@
           <a:p>
             <a:pPr lvl="1"/>
             <a:r>
-              <a:rPr lang="en-US">
+              <a:rPr lang="en-US" dirty="0">
                 <a:hlinkClick r:id="rId3"/>
               </a:rPr>
               <a:t>https://www.amazon.com/Object-Oriented-Thought-Process-Developers-Library/dp/0321861272</a:t>
@@ -8880,6 +8881,140 @@
     <p:extLst>
       <p:ext uri="{BB962C8B-B14F-4D97-AF65-F5344CB8AC3E}">
         <p14:creationId xmlns:p14="http://schemas.microsoft.com/office/powerpoint/2010/main" val="455088726"/>
+      </p:ext>
+    </p:extLst>
+  </p:cSld>
+  <p:clrMapOvr>
+    <a:masterClrMapping/>
+  </p:clrMapOvr>
+</p:sld>
+</file>
+
+<file path=ppt/slides/slide19.xml><?xml version="1.0" encoding="utf-8"?>
+<p:sld xmlns:a="http://schemas.openxmlformats.org/drawingml/2006/main" xmlns:r="http://schemas.openxmlformats.org/officeDocument/2006/relationships" xmlns:p="http://schemas.openxmlformats.org/presentationml/2006/main">
+  <p:cSld>
+    <p:spTree>
+      <p:nvGrpSpPr>
+        <p:cNvPr id="1" name=""/>
+        <p:cNvGrpSpPr/>
+        <p:nvPr/>
+      </p:nvGrpSpPr>
+      <p:grpSpPr>
+        <a:xfrm>
+          <a:off x="0" y="0"/>
+          <a:ext cx="0" cy="0"/>
+          <a:chOff x="0" y="0"/>
+          <a:chExt cx="0" cy="0"/>
+        </a:xfrm>
+      </p:grpSpPr>
+      <p:sp>
+        <p:nvSpPr>
+          <p:cNvPr id="2" name="Title 1">
+            <a:extLst>
+              <a:ext uri="{FF2B5EF4-FFF2-40B4-BE49-F238E27FC236}">
+                <a16:creationId xmlns:a16="http://schemas.microsoft.com/office/drawing/2014/main" id="{6EF39A35-87ED-EBF4-3A9D-9E2D3AB08E68}"/>
+              </a:ext>
+            </a:extLst>
+          </p:cNvPr>
+          <p:cNvSpPr>
+            <a:spLocks noGrp="1"/>
+          </p:cNvSpPr>
+          <p:nvPr>
+            <p:ph type="title"/>
+          </p:nvPr>
+        </p:nvSpPr>
+        <p:spPr/>
+        <p:txBody>
+          <a:bodyPr/>
+          <a:lstStyle/>
+          <a:p>
+            <a:r>
+              <a:rPr lang="en-US" dirty="0"/>
+              <a:t>Link to these slides</a:t>
+            </a:r>
+          </a:p>
+        </p:txBody>
+      </p:sp>
+      <p:pic>
+        <p:nvPicPr>
+          <p:cNvPr id="5" name="Content Placeholder 4">
+            <a:extLst>
+              <a:ext uri="{FF2B5EF4-FFF2-40B4-BE49-F238E27FC236}">
+                <a16:creationId xmlns:a16="http://schemas.microsoft.com/office/drawing/2014/main" id="{71866986-B62F-B7EA-8114-79B546BD428B}"/>
+              </a:ext>
+            </a:extLst>
+          </p:cNvPr>
+          <p:cNvPicPr>
+            <a:picLocks noGrp="1" noChangeAspect="1"/>
+          </p:cNvPicPr>
+          <p:nvPr>
+            <p:ph idx="1"/>
+          </p:nvPr>
+        </p:nvPicPr>
+        <p:blipFill>
+          <a:blip r:embed="rId2">
+            <a:extLst>
+              <a:ext uri="{28A0092B-C50C-407E-A947-70E740481C1C}">
+                <a14:useLocalDpi xmlns:a14="http://schemas.microsoft.com/office/drawing/2010/main" val="0"/>
+              </a:ext>
+            </a:extLst>
+          </a:blip>
+          <a:stretch>
+            <a:fillRect/>
+          </a:stretch>
+        </p:blipFill>
+        <p:spPr>
+          <a:xfrm>
+            <a:off x="4058501" y="2166335"/>
+            <a:ext cx="2857500" cy="2857500"/>
+          </a:xfrm>
+        </p:spPr>
+      </p:pic>
+      <p:sp>
+        <p:nvSpPr>
+          <p:cNvPr id="6" name="TextBox 5">
+            <a:extLst>
+              <a:ext uri="{FF2B5EF4-FFF2-40B4-BE49-F238E27FC236}">
+                <a16:creationId xmlns:a16="http://schemas.microsoft.com/office/drawing/2014/main" id="{F01E7F7A-2BCF-B5CB-3EDA-C29346645C68}"/>
+              </a:ext>
+            </a:extLst>
+          </p:cNvPr>
+          <p:cNvSpPr txBox="1"/>
+          <p:nvPr/>
+        </p:nvSpPr>
+        <p:spPr>
+          <a:xfrm>
+            <a:off x="2317072" y="5356004"/>
+            <a:ext cx="7244177" cy="954107"/>
+          </a:xfrm>
+          <a:prstGeom prst="rect">
+            <a:avLst/>
+          </a:prstGeom>
+          <a:noFill/>
+        </p:spPr>
+        <p:txBody>
+          <a:bodyPr wrap="square" rtlCol="0">
+            <a:spAutoFit/>
+          </a:bodyPr>
+          <a:lstStyle/>
+          <a:p>
+            <a:r>
+              <a:rPr lang="en-US" sz="2800" dirty="0">
+                <a:hlinkClick r:id="rId3"/>
+              </a:rPr>
+              <a:t>https://github.com/gex713/2024MCTalk</a:t>
+            </a:r>
+            <a:endParaRPr lang="en-US" sz="2800" dirty="0"/>
+          </a:p>
+          <a:p>
+            <a:endParaRPr lang="en-US" sz="2800" dirty="0"/>
+          </a:p>
+        </p:txBody>
+      </p:sp>
+    </p:spTree>
+    <p:extLst>
+      <p:ext uri="{BB962C8B-B14F-4D97-AF65-F5344CB8AC3E}">
+        <p14:creationId xmlns:p14="http://schemas.microsoft.com/office/powerpoint/2010/main" val="3758709530"/>
       </p:ext>
     </p:extLst>
   </p:cSld>
